--- a/autoencoder_데이터 설명.pptx
+++ b/autoencoder_데이터 설명.pptx
@@ -7,12 +7,13 @@
   <p:sldIdLst>
     <p:sldId id="260" r:id="rId2"/>
     <p:sldId id="259" r:id="rId3"/>
-    <p:sldId id="258" r:id="rId4"/>
-    <p:sldId id="257" r:id="rId5"/>
-    <p:sldId id="256" r:id="rId6"/>
-    <p:sldId id="261" r:id="rId7"/>
-    <p:sldId id="262" r:id="rId8"/>
-    <p:sldId id="263" r:id="rId9"/>
+    <p:sldId id="264" r:id="rId4"/>
+    <p:sldId id="258" r:id="rId5"/>
+    <p:sldId id="257" r:id="rId6"/>
+    <p:sldId id="256" r:id="rId7"/>
+    <p:sldId id="261" r:id="rId8"/>
+    <p:sldId id="262" r:id="rId9"/>
+    <p:sldId id="263" r:id="rId10"/>
   </p:sldIdLst>
   <p:sldSz cx="12192000" cy="6858000"/>
   <p:notesSz cx="6858000" cy="9144000"/>
@@ -118,6 +119,7 @@
           <p14:sldIdLst>
             <p14:sldId id="260"/>
             <p14:sldId id="259"/>
+            <p14:sldId id="264"/>
           </p14:sldIdLst>
         </p14:section>
         <p14:section name="3번 모터 고장" id="{AD400AB2-68F0-4EB7-B732-456279C45715}">
@@ -290,7 +292,7 @@
           <a:p>
             <a:fld id="{09F5B9C4-F103-4C0F-A6DD-3D13D3E16FED}" type="datetimeFigureOut">
               <a:rPr lang="ko-KR" altLang="en-US" smtClean="0"/>
-              <a:t>2023-03-06</a:t>
+              <a:t>2023-03-10</a:t>
             </a:fld>
             <a:endParaRPr lang="ko-KR" altLang="en-US"/>
           </a:p>
@@ -488,7 +490,7 @@
           <a:p>
             <a:fld id="{09F5B9C4-F103-4C0F-A6DD-3D13D3E16FED}" type="datetimeFigureOut">
               <a:rPr lang="ko-KR" altLang="en-US" smtClean="0"/>
-              <a:t>2023-03-06</a:t>
+              <a:t>2023-03-10</a:t>
             </a:fld>
             <a:endParaRPr lang="ko-KR" altLang="en-US"/>
           </a:p>
@@ -696,7 +698,7 @@
           <a:p>
             <a:fld id="{09F5B9C4-F103-4C0F-A6DD-3D13D3E16FED}" type="datetimeFigureOut">
               <a:rPr lang="ko-KR" altLang="en-US" smtClean="0"/>
-              <a:t>2023-03-06</a:t>
+              <a:t>2023-03-10</a:t>
             </a:fld>
             <a:endParaRPr lang="ko-KR" altLang="en-US"/>
           </a:p>
@@ -894,7 +896,7 @@
           <a:p>
             <a:fld id="{09F5B9C4-F103-4C0F-A6DD-3D13D3E16FED}" type="datetimeFigureOut">
               <a:rPr lang="ko-KR" altLang="en-US" smtClean="0"/>
-              <a:t>2023-03-06</a:t>
+              <a:t>2023-03-10</a:t>
             </a:fld>
             <a:endParaRPr lang="ko-KR" altLang="en-US"/>
           </a:p>
@@ -1169,7 +1171,7 @@
           <a:p>
             <a:fld id="{09F5B9C4-F103-4C0F-A6DD-3D13D3E16FED}" type="datetimeFigureOut">
               <a:rPr lang="ko-KR" altLang="en-US" smtClean="0"/>
-              <a:t>2023-03-06</a:t>
+              <a:t>2023-03-10</a:t>
             </a:fld>
             <a:endParaRPr lang="ko-KR" altLang="en-US"/>
           </a:p>
@@ -1434,7 +1436,7 @@
           <a:p>
             <a:fld id="{09F5B9C4-F103-4C0F-A6DD-3D13D3E16FED}" type="datetimeFigureOut">
               <a:rPr lang="ko-KR" altLang="en-US" smtClean="0"/>
-              <a:t>2023-03-06</a:t>
+              <a:t>2023-03-10</a:t>
             </a:fld>
             <a:endParaRPr lang="ko-KR" altLang="en-US"/>
           </a:p>
@@ -1846,7 +1848,7 @@
           <a:p>
             <a:fld id="{09F5B9C4-F103-4C0F-A6DD-3D13D3E16FED}" type="datetimeFigureOut">
               <a:rPr lang="ko-KR" altLang="en-US" smtClean="0"/>
-              <a:t>2023-03-06</a:t>
+              <a:t>2023-03-10</a:t>
             </a:fld>
             <a:endParaRPr lang="ko-KR" altLang="en-US"/>
           </a:p>
@@ -1987,7 +1989,7 @@
           <a:p>
             <a:fld id="{09F5B9C4-F103-4C0F-A6DD-3D13D3E16FED}" type="datetimeFigureOut">
               <a:rPr lang="ko-KR" altLang="en-US" smtClean="0"/>
-              <a:t>2023-03-06</a:t>
+              <a:t>2023-03-10</a:t>
             </a:fld>
             <a:endParaRPr lang="ko-KR" altLang="en-US"/>
           </a:p>
@@ -2100,7 +2102,7 @@
           <a:p>
             <a:fld id="{09F5B9C4-F103-4C0F-A6DD-3D13D3E16FED}" type="datetimeFigureOut">
               <a:rPr lang="ko-KR" altLang="en-US" smtClean="0"/>
-              <a:t>2023-03-06</a:t>
+              <a:t>2023-03-10</a:t>
             </a:fld>
             <a:endParaRPr lang="ko-KR" altLang="en-US"/>
           </a:p>
@@ -2411,7 +2413,7 @@
           <a:p>
             <a:fld id="{09F5B9C4-F103-4C0F-A6DD-3D13D3E16FED}" type="datetimeFigureOut">
               <a:rPr lang="ko-KR" altLang="en-US" smtClean="0"/>
-              <a:t>2023-03-06</a:t>
+              <a:t>2023-03-10</a:t>
             </a:fld>
             <a:endParaRPr lang="ko-KR" altLang="en-US"/>
           </a:p>
@@ -2699,7 +2701,7 @@
           <a:p>
             <a:fld id="{09F5B9C4-F103-4C0F-A6DD-3D13D3E16FED}" type="datetimeFigureOut">
               <a:rPr lang="ko-KR" altLang="en-US" smtClean="0"/>
-              <a:t>2023-03-06</a:t>
+              <a:t>2023-03-10</a:t>
             </a:fld>
             <a:endParaRPr lang="ko-KR" altLang="en-US"/>
           </a:p>
@@ -2940,7 +2942,7 @@
           <a:p>
             <a:fld id="{09F5B9C4-F103-4C0F-A6DD-3D13D3E16FED}" type="datetimeFigureOut">
               <a:rPr lang="ko-KR" altLang="en-US" smtClean="0"/>
-              <a:t>2023-03-06</a:t>
+              <a:t>2023-03-10</a:t>
             </a:fld>
             <a:endParaRPr lang="ko-KR" altLang="en-US"/>
           </a:p>
@@ -3405,10 +3407,10 @@
       </p:sp>
       <p:pic>
         <p:nvPicPr>
-          <p:cNvPr id="8" name="그림 7">
-            <a:extLst>
-              <a:ext uri="{FF2B5EF4-FFF2-40B4-BE49-F238E27FC236}">
-                <a16:creationId xmlns:a16="http://schemas.microsoft.com/office/drawing/2014/main" id="{4380B75A-E319-48F0-84BB-4260D1A1C107}"/>
+          <p:cNvPr id="12" name="그림 11">
+            <a:extLst>
+              <a:ext uri="{FF2B5EF4-FFF2-40B4-BE49-F238E27FC236}">
+                <a16:creationId xmlns:a16="http://schemas.microsoft.com/office/drawing/2014/main" id="{67AB5F2A-13DC-4BC1-A6B9-E14212D40C56}"/>
               </a:ext>
             </a:extLst>
           </p:cNvPr>
@@ -3419,13 +3421,13 @@
         </p:nvPicPr>
         <p:blipFill rotWithShape="1">
           <a:blip r:embed="rId2"/>
-          <a:srcRect t="15169" b="3938"/>
+          <a:srcRect t="10159" b="2715"/>
           <a:stretch/>
         </p:blipFill>
         <p:spPr>
           <a:xfrm>
-            <a:off x="1" y="2757199"/>
-            <a:ext cx="7400940" cy="3438950"/>
+            <a:off x="7396027" y="2550794"/>
+            <a:ext cx="4795972" cy="4307205"/>
           </a:xfrm>
           <a:prstGeom prst="rect">
             <a:avLst/>
@@ -3434,10 +3436,10 @@
       </p:pic>
       <p:pic>
         <p:nvPicPr>
-          <p:cNvPr id="12" name="그림 11">
-            <a:extLst>
-              <a:ext uri="{FF2B5EF4-FFF2-40B4-BE49-F238E27FC236}">
-                <a16:creationId xmlns:a16="http://schemas.microsoft.com/office/drawing/2014/main" id="{67AB5F2A-13DC-4BC1-A6B9-E14212D40C56}"/>
+          <p:cNvPr id="13" name="그림 12">
+            <a:extLst>
+              <a:ext uri="{FF2B5EF4-FFF2-40B4-BE49-F238E27FC236}">
+                <a16:creationId xmlns:a16="http://schemas.microsoft.com/office/drawing/2014/main" id="{FAC5D111-2908-4F4B-B144-F89932A2AE51}"/>
               </a:ext>
             </a:extLst>
           </p:cNvPr>
@@ -3448,13 +3450,13 @@
         </p:nvPicPr>
         <p:blipFill rotWithShape="1">
           <a:blip r:embed="rId3"/>
-          <a:srcRect t="10159" b="2715"/>
+          <a:srcRect t="20468" b="6003"/>
           <a:stretch/>
         </p:blipFill>
         <p:spPr>
           <a:xfrm>
-            <a:off x="7396027" y="2550794"/>
-            <a:ext cx="4795972" cy="4307205"/>
+            <a:off x="5053286" y="425587"/>
+            <a:ext cx="6021699" cy="2125207"/>
           </a:xfrm>
           <a:prstGeom prst="rect">
             <a:avLst/>
@@ -3463,10 +3465,10 @@
       </p:pic>
       <p:pic>
         <p:nvPicPr>
-          <p:cNvPr id="13" name="그림 12">
-            <a:extLst>
-              <a:ext uri="{FF2B5EF4-FFF2-40B4-BE49-F238E27FC236}">
-                <a16:creationId xmlns:a16="http://schemas.microsoft.com/office/drawing/2014/main" id="{FAC5D111-2908-4F4B-B144-F89932A2AE51}"/>
+          <p:cNvPr id="7" name="그림 6">
+            <a:extLst>
+              <a:ext uri="{FF2B5EF4-FFF2-40B4-BE49-F238E27FC236}">
+                <a16:creationId xmlns:a16="http://schemas.microsoft.com/office/drawing/2014/main" id="{CEB985B0-3176-4EB6-926F-41E1E96E276D}"/>
               </a:ext>
             </a:extLst>
           </p:cNvPr>
@@ -3477,13 +3479,13 @@
         </p:nvPicPr>
         <p:blipFill rotWithShape="1">
           <a:blip r:embed="rId4"/>
-          <a:srcRect t="20468" b="6003"/>
+          <a:srcRect t="14386" b="4254"/>
           <a:stretch/>
         </p:blipFill>
         <p:spPr>
           <a:xfrm>
-            <a:off x="5053286" y="425587"/>
-            <a:ext cx="6021699" cy="2125207"/>
+            <a:off x="0" y="2757198"/>
+            <a:ext cx="7396027" cy="3438950"/>
           </a:xfrm>
           <a:prstGeom prst="rect">
             <a:avLst/>
@@ -3535,7 +3537,7 @@
         <p:spPr>
           <a:xfrm>
             <a:off x="722812" y="200298"/>
-            <a:ext cx="1107996" cy="646331"/>
+            <a:ext cx="1249060" cy="646331"/>
           </a:xfrm>
           <a:prstGeom prst="rect">
             <a:avLst/>
@@ -3549,13 +3551,14 @@
           <a:lstStyle/>
           <a:p>
             <a:r>
+              <a:rPr lang="en-US" altLang="ko-KR" dirty="0"/>
+              <a:t>5m/s</a:t>
+            </a:r>
+            <a:r>
               <a:rPr lang="ko-KR" altLang="en-US" dirty="0"/>
-              <a:t>바람 </a:t>
-            </a:r>
-            <a:r>
-              <a:rPr lang="en-US" altLang="ko-KR" dirty="0"/>
-              <a:t>O</a:t>
-            </a:r>
+              <a:t> 바람</a:t>
+            </a:r>
+            <a:endParaRPr lang="en-US" altLang="ko-KR" dirty="0"/>
           </a:p>
           <a:p>
             <a:r>
@@ -3568,10 +3571,10 @@
       </p:sp>
       <p:pic>
         <p:nvPicPr>
-          <p:cNvPr id="29" name="그림 28">
-            <a:extLst>
-              <a:ext uri="{FF2B5EF4-FFF2-40B4-BE49-F238E27FC236}">
-                <a16:creationId xmlns:a16="http://schemas.microsoft.com/office/drawing/2014/main" id="{68047117-DEE3-41D2-8D2A-84A4855A370A}"/>
+          <p:cNvPr id="30" name="그림 29">
+            <a:extLst>
+              <a:ext uri="{FF2B5EF4-FFF2-40B4-BE49-F238E27FC236}">
+                <a16:creationId xmlns:a16="http://schemas.microsoft.com/office/drawing/2014/main" id="{B57D6786-AEFD-435A-AA3D-89F5460D4EE6}"/>
               </a:ext>
             </a:extLst>
           </p:cNvPr>
@@ -3582,13 +3585,13 @@
         </p:nvPicPr>
         <p:blipFill rotWithShape="1">
           <a:blip r:embed="rId2"/>
-          <a:srcRect t="14579" b="4333"/>
+          <a:srcRect t="20960" b="6530"/>
           <a:stretch/>
         </p:blipFill>
         <p:spPr>
           <a:xfrm>
-            <a:off x="-62753" y="2757197"/>
-            <a:ext cx="7449457" cy="3441525"/>
+            <a:off x="5053285" y="425586"/>
+            <a:ext cx="6021699" cy="2150897"/>
           </a:xfrm>
           <a:prstGeom prst="rect">
             <a:avLst/>
@@ -3597,10 +3600,10 @@
       </p:pic>
       <p:pic>
         <p:nvPicPr>
-          <p:cNvPr id="30" name="그림 29">
-            <a:extLst>
-              <a:ext uri="{FF2B5EF4-FFF2-40B4-BE49-F238E27FC236}">
-                <a16:creationId xmlns:a16="http://schemas.microsoft.com/office/drawing/2014/main" id="{B57D6786-AEFD-435A-AA3D-89F5460D4EE6}"/>
+          <p:cNvPr id="31" name="그림 30">
+            <a:extLst>
+              <a:ext uri="{FF2B5EF4-FFF2-40B4-BE49-F238E27FC236}">
+                <a16:creationId xmlns:a16="http://schemas.microsoft.com/office/drawing/2014/main" id="{A5FF0F53-D606-452A-9FCD-AB64909E641E}"/>
               </a:ext>
             </a:extLst>
           </p:cNvPr>
@@ -3611,13 +3614,13 @@
         </p:nvPicPr>
         <p:blipFill rotWithShape="1">
           <a:blip r:embed="rId3"/>
-          <a:srcRect t="20960" b="6530"/>
+          <a:srcRect t="10357" b="3166"/>
           <a:stretch/>
         </p:blipFill>
         <p:spPr>
           <a:xfrm>
-            <a:off x="5053285" y="425586"/>
-            <a:ext cx="6021699" cy="2150897"/>
+            <a:off x="7386705" y="2576483"/>
+            <a:ext cx="4803210" cy="4281517"/>
           </a:xfrm>
           <a:prstGeom prst="rect">
             <a:avLst/>
@@ -3626,10 +3629,10 @@
       </p:pic>
       <p:pic>
         <p:nvPicPr>
-          <p:cNvPr id="31" name="그림 30">
-            <a:extLst>
-              <a:ext uri="{FF2B5EF4-FFF2-40B4-BE49-F238E27FC236}">
-                <a16:creationId xmlns:a16="http://schemas.microsoft.com/office/drawing/2014/main" id="{A5FF0F53-D606-452A-9FCD-AB64909E641E}"/>
+          <p:cNvPr id="8" name="그림 7">
+            <a:extLst>
+              <a:ext uri="{FF2B5EF4-FFF2-40B4-BE49-F238E27FC236}">
+                <a16:creationId xmlns:a16="http://schemas.microsoft.com/office/drawing/2014/main" id="{DAE515FC-EB98-4275-9896-2FEF474CC384}"/>
               </a:ext>
             </a:extLst>
           </p:cNvPr>
@@ -3640,13 +3643,13 @@
         </p:nvPicPr>
         <p:blipFill rotWithShape="1">
           <a:blip r:embed="rId4"/>
-          <a:srcRect t="10357" b="3166"/>
+          <a:srcRect t="14386" b="4101"/>
           <a:stretch/>
         </p:blipFill>
         <p:spPr>
           <a:xfrm>
-            <a:off x="7386705" y="2576483"/>
-            <a:ext cx="4803210" cy="4281517"/>
+            <a:off x="0" y="2757196"/>
+            <a:ext cx="7386704" cy="3441525"/>
           </a:xfrm>
           <a:prstGeom prst="rect">
             <a:avLst/>
@@ -3698,7 +3701,7 @@
         <p:spPr>
           <a:xfrm>
             <a:off x="722812" y="200298"/>
-            <a:ext cx="3124573" cy="646331"/>
+            <a:ext cx="1375698" cy="646331"/>
           </a:xfrm>
           <a:prstGeom prst="rect">
             <a:avLst/>
@@ -3713,7 +3716,7 @@
           <a:p>
             <a:r>
               <a:rPr lang="en-US" altLang="ko-KR" dirty="0"/>
-              <a:t>5m/s</a:t>
+              <a:t>10m/s</a:t>
             </a:r>
             <a:r>
               <a:rPr lang="ko-KR" altLang="en-US" dirty="0"/>
@@ -3723,38 +3726,19 @@
           </a:p>
           <a:p>
             <a:r>
-              <a:rPr lang="en-US" altLang="ko-KR" dirty="0"/>
-              <a:t>3</a:t>
-            </a:r>
-            <a:r>
               <a:rPr lang="ko-KR" altLang="en-US" dirty="0"/>
-              <a:t>번 모터 </a:t>
-            </a:r>
-            <a:r>
-              <a:rPr lang="en-US" altLang="ko-KR" dirty="0"/>
-              <a:t>0.0 </a:t>
-            </a:r>
-            <a:r>
-              <a:rPr lang="ko-KR" altLang="en-US" dirty="0"/>
-              <a:t>고장 </a:t>
-            </a:r>
-            <a:r>
-              <a:rPr lang="en-US" altLang="ko-KR" dirty="0"/>
-              <a:t>85</a:t>
-            </a:r>
-            <a:r>
-              <a:rPr lang="ko-KR" altLang="en-US" dirty="0"/>
-              <a:t>초 인가</a:t>
-            </a:r>
+              <a:t>정상상태</a:t>
+            </a:r>
+            <a:endParaRPr lang="en-US" altLang="ko-KR" dirty="0"/>
           </a:p>
         </p:txBody>
       </p:sp>
       <p:pic>
         <p:nvPicPr>
-          <p:cNvPr id="15" name="그림 14">
-            <a:extLst>
-              <a:ext uri="{FF2B5EF4-FFF2-40B4-BE49-F238E27FC236}">
-                <a16:creationId xmlns:a16="http://schemas.microsoft.com/office/drawing/2014/main" id="{154BDE91-4AB5-4391-9C47-63D1FE13CA63}"/>
+          <p:cNvPr id="7" name="그림 6">
+            <a:extLst>
+              <a:ext uri="{FF2B5EF4-FFF2-40B4-BE49-F238E27FC236}">
+                <a16:creationId xmlns:a16="http://schemas.microsoft.com/office/drawing/2014/main" id="{C11021DC-3EBE-48A8-AEF6-52789E4BFBAF}"/>
               </a:ext>
             </a:extLst>
           </p:cNvPr>
@@ -3765,13 +3749,13 @@
         </p:nvPicPr>
         <p:blipFill rotWithShape="1">
           <a:blip r:embed="rId2"/>
-          <a:srcRect t="14509" b="4413"/>
+          <a:srcRect t="14539" b="4101"/>
           <a:stretch/>
         </p:blipFill>
         <p:spPr>
           <a:xfrm>
-            <a:off x="0" y="2757198"/>
-            <a:ext cx="7400940" cy="3438950"/>
+            <a:off x="0" y="2757195"/>
+            <a:ext cx="7386704" cy="3441526"/>
           </a:xfrm>
           <a:prstGeom prst="rect">
             <a:avLst/>
@@ -3780,10 +3764,10 @@
       </p:pic>
       <p:pic>
         <p:nvPicPr>
-          <p:cNvPr id="16" name="그림 15">
-            <a:extLst>
-              <a:ext uri="{FF2B5EF4-FFF2-40B4-BE49-F238E27FC236}">
-                <a16:creationId xmlns:a16="http://schemas.microsoft.com/office/drawing/2014/main" id="{CEA8A533-8C5D-48F6-98F0-F59AB053C974}"/>
+          <p:cNvPr id="9" name="그림 8">
+            <a:extLst>
+              <a:ext uri="{FF2B5EF4-FFF2-40B4-BE49-F238E27FC236}">
+                <a16:creationId xmlns:a16="http://schemas.microsoft.com/office/drawing/2014/main" id="{87C4284C-AFE4-4349-B7BC-17982612FFCC}"/>
               </a:ext>
             </a:extLst>
           </p:cNvPr>
@@ -3794,13 +3778,13 @@
         </p:nvPicPr>
         <p:blipFill rotWithShape="1">
           <a:blip r:embed="rId3"/>
-          <a:srcRect t="21019" b="7109"/>
+          <a:srcRect t="10540" b="2985"/>
           <a:stretch/>
         </p:blipFill>
         <p:spPr>
           <a:xfrm>
-            <a:off x="5053287" y="425586"/>
-            <a:ext cx="6021699" cy="2169567"/>
+            <a:off x="7386704" y="2576482"/>
+            <a:ext cx="4803211" cy="4281518"/>
           </a:xfrm>
           <a:prstGeom prst="rect">
             <a:avLst/>
@@ -3809,10 +3793,10 @@
       </p:pic>
       <p:pic>
         <p:nvPicPr>
-          <p:cNvPr id="19" name="그림 18">
-            <a:extLst>
-              <a:ext uri="{FF2B5EF4-FFF2-40B4-BE49-F238E27FC236}">
-                <a16:creationId xmlns:a16="http://schemas.microsoft.com/office/drawing/2014/main" id="{CA692D9B-A271-437B-ACFD-2A976B5DBFB7}"/>
+          <p:cNvPr id="11" name="그림 10">
+            <a:extLst>
+              <a:ext uri="{FF2B5EF4-FFF2-40B4-BE49-F238E27FC236}">
+                <a16:creationId xmlns:a16="http://schemas.microsoft.com/office/drawing/2014/main" id="{D2A1D011-AAEE-4748-AE0A-B3046842E3BC}"/>
               </a:ext>
             </a:extLst>
           </p:cNvPr>
@@ -3823,13 +3807,13 @@
         </p:nvPicPr>
         <p:blipFill rotWithShape="1">
           <a:blip r:embed="rId4"/>
-          <a:srcRect t="10093" b="2869"/>
+          <a:srcRect t="20939" b="6381"/>
           <a:stretch/>
         </p:blipFill>
         <p:spPr>
           <a:xfrm>
-            <a:off x="7440550" y="2595153"/>
-            <a:ext cx="4751450" cy="4262847"/>
+            <a:off x="5053285" y="425585"/>
+            <a:ext cx="6021699" cy="2150896"/>
           </a:xfrm>
           <a:prstGeom prst="rect">
             <a:avLst/>
@@ -3839,7 +3823,7 @@
     </p:spTree>
     <p:extLst>
       <p:ext uri="{BB962C8B-B14F-4D97-AF65-F5344CB8AC3E}">
-        <p14:creationId xmlns:p14="http://schemas.microsoft.com/office/powerpoint/2010/main" val="223885316"/>
+        <p14:creationId xmlns:p14="http://schemas.microsoft.com/office/powerpoint/2010/main" val="3969358997"/>
       </p:ext>
     </p:extLst>
   </p:cSld>
@@ -3915,7 +3899,7 @@
             </a:r>
             <a:r>
               <a:rPr lang="en-US" altLang="ko-KR" dirty="0"/>
-              <a:t>0.2 </a:t>
+              <a:t>0.0 </a:t>
             </a:r>
             <a:r>
               <a:rPr lang="ko-KR" altLang="en-US" dirty="0"/>
@@ -3934,10 +3918,10 @@
       </p:sp>
       <p:pic>
         <p:nvPicPr>
-          <p:cNvPr id="12" name="그림 11">
-            <a:extLst>
-              <a:ext uri="{FF2B5EF4-FFF2-40B4-BE49-F238E27FC236}">
-                <a16:creationId xmlns:a16="http://schemas.microsoft.com/office/drawing/2014/main" id="{E067288F-C5AB-424B-B8BE-87B58CDFFA83}"/>
+          <p:cNvPr id="16" name="그림 15">
+            <a:extLst>
+              <a:ext uri="{FF2B5EF4-FFF2-40B4-BE49-F238E27FC236}">
+                <a16:creationId xmlns:a16="http://schemas.microsoft.com/office/drawing/2014/main" id="{CEA8A533-8C5D-48F6-98F0-F59AB053C974}"/>
               </a:ext>
             </a:extLst>
           </p:cNvPr>
@@ -3948,13 +3932,13 @@
         </p:nvPicPr>
         <p:blipFill rotWithShape="1">
           <a:blip r:embed="rId2"/>
-          <a:srcRect t="14488" b="4635"/>
+          <a:srcRect t="21019" b="7109"/>
           <a:stretch/>
         </p:blipFill>
         <p:spPr>
           <a:xfrm>
-            <a:off x="0" y="2734489"/>
-            <a:ext cx="7398282" cy="3435533"/>
+            <a:off x="5053287" y="425586"/>
+            <a:ext cx="6021699" cy="2169567"/>
           </a:xfrm>
           <a:prstGeom prst="rect">
             <a:avLst/>
@@ -3963,10 +3947,10 @@
       </p:pic>
       <p:pic>
         <p:nvPicPr>
-          <p:cNvPr id="14" name="그림 13">
-            <a:extLst>
-              <a:ext uri="{FF2B5EF4-FFF2-40B4-BE49-F238E27FC236}">
-                <a16:creationId xmlns:a16="http://schemas.microsoft.com/office/drawing/2014/main" id="{43EBEA8D-4CA5-489D-A17E-412837F45454}"/>
+          <p:cNvPr id="19" name="그림 18">
+            <a:extLst>
+              <a:ext uri="{FF2B5EF4-FFF2-40B4-BE49-F238E27FC236}">
+                <a16:creationId xmlns:a16="http://schemas.microsoft.com/office/drawing/2014/main" id="{CA692D9B-A271-437B-ACFD-2A976B5DBFB7}"/>
               </a:ext>
             </a:extLst>
           </p:cNvPr>
@@ -3977,13 +3961,13 @@
         </p:nvPicPr>
         <p:blipFill rotWithShape="1">
           <a:blip r:embed="rId3"/>
-          <a:srcRect t="10182" b="3336"/>
+          <a:srcRect t="10093" b="2869"/>
           <a:stretch/>
         </p:blipFill>
         <p:spPr>
           <a:xfrm>
-            <a:off x="7421795" y="2605644"/>
-            <a:ext cx="4770204" cy="4252355"/>
+            <a:off x="7440550" y="2595153"/>
+            <a:ext cx="4751450" cy="4262847"/>
           </a:xfrm>
           <a:prstGeom prst="rect">
             <a:avLst/>
@@ -3992,10 +3976,10 @@
       </p:pic>
       <p:pic>
         <p:nvPicPr>
-          <p:cNvPr id="16" name="그림 15">
-            <a:extLst>
-              <a:ext uri="{FF2B5EF4-FFF2-40B4-BE49-F238E27FC236}">
-                <a16:creationId xmlns:a16="http://schemas.microsoft.com/office/drawing/2014/main" id="{20EEC2C2-C255-4E05-812A-49677FEB62B6}"/>
+          <p:cNvPr id="7" name="그림 6">
+            <a:extLst>
+              <a:ext uri="{FF2B5EF4-FFF2-40B4-BE49-F238E27FC236}">
+                <a16:creationId xmlns:a16="http://schemas.microsoft.com/office/drawing/2014/main" id="{FBAA02CF-8576-4EB4-9DEA-FDFD4268BF2F}"/>
               </a:ext>
             </a:extLst>
           </p:cNvPr>
@@ -4006,13 +3990,13 @@
         </p:nvPicPr>
         <p:blipFill rotWithShape="1">
           <a:blip r:embed="rId4"/>
-          <a:srcRect t="20697" b="6528"/>
+          <a:srcRect t="14081" b="4102"/>
           <a:stretch/>
         </p:blipFill>
         <p:spPr>
           <a:xfrm>
-            <a:off x="5053287" y="365760"/>
-            <a:ext cx="6021699" cy="2139080"/>
+            <a:off x="0" y="2700848"/>
+            <a:ext cx="7440550" cy="3495300"/>
           </a:xfrm>
           <a:prstGeom prst="rect">
             <a:avLst/>
@@ -4022,7 +4006,7 @@
     </p:spTree>
     <p:extLst>
       <p:ext uri="{BB962C8B-B14F-4D97-AF65-F5344CB8AC3E}">
-        <p14:creationId xmlns:p14="http://schemas.microsoft.com/office/powerpoint/2010/main" val="1539336051"/>
+        <p14:creationId xmlns:p14="http://schemas.microsoft.com/office/powerpoint/2010/main" val="223885316"/>
       </p:ext>
     </p:extLst>
   </p:cSld>
@@ -4098,7 +4082,7 @@
             </a:r>
             <a:r>
               <a:rPr lang="en-US" altLang="ko-KR" dirty="0"/>
-              <a:t>0.4 </a:t>
+              <a:t>0.2 </a:t>
             </a:r>
             <a:r>
               <a:rPr lang="ko-KR" altLang="en-US" dirty="0"/>
@@ -4117,10 +4101,10 @@
       </p:sp>
       <p:pic>
         <p:nvPicPr>
-          <p:cNvPr id="12" name="그림 11">
-            <a:extLst>
-              <a:ext uri="{FF2B5EF4-FFF2-40B4-BE49-F238E27FC236}">
-                <a16:creationId xmlns:a16="http://schemas.microsoft.com/office/drawing/2014/main" id="{7DE602DB-C994-49CE-AF5C-8512E7242DF8}"/>
+          <p:cNvPr id="14" name="그림 13">
+            <a:extLst>
+              <a:ext uri="{FF2B5EF4-FFF2-40B4-BE49-F238E27FC236}">
+                <a16:creationId xmlns:a16="http://schemas.microsoft.com/office/drawing/2014/main" id="{43EBEA8D-4CA5-489D-A17E-412837F45454}"/>
               </a:ext>
             </a:extLst>
           </p:cNvPr>
@@ -4131,13 +4115,13 @@
         </p:nvPicPr>
         <p:blipFill rotWithShape="1">
           <a:blip r:embed="rId2"/>
-          <a:srcRect t="14302" b="4270"/>
+          <a:srcRect t="10182" b="3336"/>
           <a:stretch/>
         </p:blipFill>
         <p:spPr>
           <a:xfrm>
-            <a:off x="0" y="2786743"/>
-            <a:ext cx="7400940" cy="3409405"/>
+            <a:off x="7421795" y="2605644"/>
+            <a:ext cx="4770204" cy="4252355"/>
           </a:xfrm>
           <a:prstGeom prst="rect">
             <a:avLst/>
@@ -4146,10 +4130,10 @@
       </p:pic>
       <p:pic>
         <p:nvPicPr>
-          <p:cNvPr id="13" name="그림 12">
-            <a:extLst>
-              <a:ext uri="{FF2B5EF4-FFF2-40B4-BE49-F238E27FC236}">
-                <a16:creationId xmlns:a16="http://schemas.microsoft.com/office/drawing/2014/main" id="{A532D63A-EC41-4BFA-B5EA-7E22ECC39216}"/>
+          <p:cNvPr id="16" name="그림 15">
+            <a:extLst>
+              <a:ext uri="{FF2B5EF4-FFF2-40B4-BE49-F238E27FC236}">
+                <a16:creationId xmlns:a16="http://schemas.microsoft.com/office/drawing/2014/main" id="{20EEC2C2-C255-4E05-812A-49677FEB62B6}"/>
               </a:ext>
             </a:extLst>
           </p:cNvPr>
@@ -4160,13 +4144,13 @@
         </p:nvPicPr>
         <p:blipFill rotWithShape="1">
           <a:blip r:embed="rId3"/>
-          <a:srcRect t="10392" b="3126"/>
+          <a:srcRect t="20697" b="6528"/>
           <a:stretch/>
         </p:blipFill>
         <p:spPr>
           <a:xfrm>
-            <a:off x="7400940" y="2587052"/>
-            <a:ext cx="4791060" cy="4270947"/>
+            <a:off x="5053287" y="365760"/>
+            <a:ext cx="6021699" cy="2139080"/>
           </a:xfrm>
           <a:prstGeom prst="rect">
             <a:avLst/>
@@ -4175,10 +4159,10 @@
       </p:pic>
       <p:pic>
         <p:nvPicPr>
-          <p:cNvPr id="14" name="그림 13">
-            <a:extLst>
-              <a:ext uri="{FF2B5EF4-FFF2-40B4-BE49-F238E27FC236}">
-                <a16:creationId xmlns:a16="http://schemas.microsoft.com/office/drawing/2014/main" id="{3075768D-1724-4D8E-8959-EEB0EE476881}"/>
+          <p:cNvPr id="6" name="그림 5">
+            <a:extLst>
+              <a:ext uri="{FF2B5EF4-FFF2-40B4-BE49-F238E27FC236}">
+                <a16:creationId xmlns:a16="http://schemas.microsoft.com/office/drawing/2014/main" id="{F5F6FB55-1378-4959-830C-0E1A9FA85CE5}"/>
               </a:ext>
             </a:extLst>
           </p:cNvPr>
@@ -4189,13 +4173,13 @@
         </p:nvPicPr>
         <p:blipFill rotWithShape="1">
           <a:blip r:embed="rId4"/>
-          <a:srcRect t="21496" b="6051"/>
+          <a:srcRect t="14081" b="4102"/>
           <a:stretch/>
         </p:blipFill>
         <p:spPr>
           <a:xfrm>
-            <a:off x="5053287" y="449654"/>
-            <a:ext cx="6021699" cy="2055185"/>
+            <a:off x="0" y="2700848"/>
+            <a:ext cx="7440550" cy="3495300"/>
           </a:xfrm>
           <a:prstGeom prst="rect">
             <a:avLst/>
@@ -4205,7 +4189,7 @@
     </p:spTree>
     <p:extLst>
       <p:ext uri="{BB962C8B-B14F-4D97-AF65-F5344CB8AC3E}">
-        <p14:creationId xmlns:p14="http://schemas.microsoft.com/office/powerpoint/2010/main" val="2815825275"/>
+        <p14:creationId xmlns:p14="http://schemas.microsoft.com/office/powerpoint/2010/main" val="1539336051"/>
       </p:ext>
     </p:extLst>
   </p:cSld>
@@ -4273,7 +4257,7 @@
           <a:p>
             <a:r>
               <a:rPr lang="en-US" altLang="ko-KR" dirty="0"/>
-              <a:t>5</a:t>
+              <a:t>3</a:t>
             </a:r>
             <a:r>
               <a:rPr lang="ko-KR" altLang="en-US" dirty="0"/>
@@ -4281,7 +4265,7 @@
             </a:r>
             <a:r>
               <a:rPr lang="en-US" altLang="ko-KR" dirty="0"/>
-              <a:t>0.0 </a:t>
+              <a:t>0.4 </a:t>
             </a:r>
             <a:r>
               <a:rPr lang="ko-KR" altLang="en-US" dirty="0"/>
@@ -4300,10 +4284,10 @@
       </p:sp>
       <p:pic>
         <p:nvPicPr>
-          <p:cNvPr id="7" name="그림 6">
-            <a:extLst>
-              <a:ext uri="{FF2B5EF4-FFF2-40B4-BE49-F238E27FC236}">
-                <a16:creationId xmlns:a16="http://schemas.microsoft.com/office/drawing/2014/main" id="{31116FAC-4EF9-4775-BA5D-DEE47DCE834F}"/>
+          <p:cNvPr id="13" name="그림 12">
+            <a:extLst>
+              <a:ext uri="{FF2B5EF4-FFF2-40B4-BE49-F238E27FC236}">
+                <a16:creationId xmlns:a16="http://schemas.microsoft.com/office/drawing/2014/main" id="{A532D63A-EC41-4BFA-B5EA-7E22ECC39216}"/>
               </a:ext>
             </a:extLst>
           </p:cNvPr>
@@ -4314,13 +4298,13 @@
         </p:nvPicPr>
         <p:blipFill rotWithShape="1">
           <a:blip r:embed="rId2"/>
-          <a:srcRect t="14539" b="4101"/>
+          <a:srcRect t="10392" b="3126"/>
           <a:stretch/>
         </p:blipFill>
         <p:spPr>
           <a:xfrm>
-            <a:off x="0" y="2757196"/>
-            <a:ext cx="7400940" cy="3438951"/>
+            <a:off x="7400940" y="2587052"/>
+            <a:ext cx="4791060" cy="4270947"/>
           </a:xfrm>
           <a:prstGeom prst="rect">
             <a:avLst/>
@@ -4329,10 +4313,10 @@
       </p:pic>
       <p:pic>
         <p:nvPicPr>
-          <p:cNvPr id="9" name="그림 8">
-            <a:extLst>
-              <a:ext uri="{FF2B5EF4-FFF2-40B4-BE49-F238E27FC236}">
-                <a16:creationId xmlns:a16="http://schemas.microsoft.com/office/drawing/2014/main" id="{ACA399B3-25E5-4508-8B95-601FFC21EA62}"/>
+          <p:cNvPr id="14" name="그림 13">
+            <a:extLst>
+              <a:ext uri="{FF2B5EF4-FFF2-40B4-BE49-F238E27FC236}">
+                <a16:creationId xmlns:a16="http://schemas.microsoft.com/office/drawing/2014/main" id="{3075768D-1724-4D8E-8959-EEB0EE476881}"/>
               </a:ext>
             </a:extLst>
           </p:cNvPr>
@@ -4343,13 +4327,13 @@
         </p:nvPicPr>
         <p:blipFill rotWithShape="1">
           <a:blip r:embed="rId3"/>
-          <a:srcRect t="10475" b="2920"/>
+          <a:srcRect t="21496" b="6051"/>
           <a:stretch/>
         </p:blipFill>
         <p:spPr>
           <a:xfrm>
-            <a:off x="7400940" y="2595152"/>
-            <a:ext cx="4791060" cy="4262848"/>
+            <a:off x="5053287" y="449654"/>
+            <a:ext cx="6021699" cy="2055185"/>
           </a:xfrm>
           <a:prstGeom prst="rect">
             <a:avLst/>
@@ -4358,10 +4342,10 @@
       </p:pic>
       <p:pic>
         <p:nvPicPr>
-          <p:cNvPr id="11" name="그림 10">
-            <a:extLst>
-              <a:ext uri="{FF2B5EF4-FFF2-40B4-BE49-F238E27FC236}">
-                <a16:creationId xmlns:a16="http://schemas.microsoft.com/office/drawing/2014/main" id="{D4D563F1-D039-46B5-8C06-BE1F2D7DC9D2}"/>
+          <p:cNvPr id="6" name="그림 5">
+            <a:extLst>
+              <a:ext uri="{FF2B5EF4-FFF2-40B4-BE49-F238E27FC236}">
+                <a16:creationId xmlns:a16="http://schemas.microsoft.com/office/drawing/2014/main" id="{4F0044FA-9F59-4A6E-AB28-D263130A325F}"/>
               </a:ext>
             </a:extLst>
           </p:cNvPr>
@@ -4372,13 +4356,13 @@
         </p:nvPicPr>
         <p:blipFill rotWithShape="1">
           <a:blip r:embed="rId4"/>
-          <a:srcRect t="21617" b="6154"/>
+          <a:srcRect t="14081" b="4102"/>
           <a:stretch/>
         </p:blipFill>
         <p:spPr>
           <a:xfrm>
-            <a:off x="5053287" y="425586"/>
-            <a:ext cx="6021699" cy="2169565"/>
+            <a:off x="0" y="2700848"/>
+            <a:ext cx="7440550" cy="3495300"/>
           </a:xfrm>
           <a:prstGeom prst="rect">
             <a:avLst/>
@@ -4388,7 +4372,7 @@
     </p:spTree>
     <p:extLst>
       <p:ext uri="{BB962C8B-B14F-4D97-AF65-F5344CB8AC3E}">
-        <p14:creationId xmlns:p14="http://schemas.microsoft.com/office/powerpoint/2010/main" val="4249442953"/>
+        <p14:creationId xmlns:p14="http://schemas.microsoft.com/office/powerpoint/2010/main" val="2815825275"/>
       </p:ext>
     </p:extLst>
   </p:cSld>
@@ -4464,7 +4448,7 @@
             </a:r>
             <a:r>
               <a:rPr lang="en-US" altLang="ko-KR" dirty="0"/>
-              <a:t>0.2 </a:t>
+              <a:t>0.0 </a:t>
             </a:r>
             <a:r>
               <a:rPr lang="ko-KR" altLang="en-US" dirty="0"/>
@@ -4483,10 +4467,10 @@
       </p:sp>
       <p:pic>
         <p:nvPicPr>
-          <p:cNvPr id="7" name="그림 6">
-            <a:extLst>
-              <a:ext uri="{FF2B5EF4-FFF2-40B4-BE49-F238E27FC236}">
-                <a16:creationId xmlns:a16="http://schemas.microsoft.com/office/drawing/2014/main" id="{D236402C-2038-4AB1-AA93-50625ED84771}"/>
+          <p:cNvPr id="9" name="그림 8">
+            <a:extLst>
+              <a:ext uri="{FF2B5EF4-FFF2-40B4-BE49-F238E27FC236}">
+                <a16:creationId xmlns:a16="http://schemas.microsoft.com/office/drawing/2014/main" id="{ACA399B3-25E5-4508-8B95-601FFC21EA62}"/>
               </a:ext>
             </a:extLst>
           </p:cNvPr>
@@ -4497,13 +4481,13 @@
         </p:nvPicPr>
         <p:blipFill rotWithShape="1">
           <a:blip r:embed="rId2"/>
-          <a:srcRect t="14234" b="4101"/>
+          <a:srcRect t="10475" b="2920"/>
           <a:stretch/>
         </p:blipFill>
         <p:spPr>
           <a:xfrm>
-            <a:off x="1" y="2734488"/>
-            <a:ext cx="7398282" cy="3435533"/>
+            <a:off x="7400940" y="2595152"/>
+            <a:ext cx="4791060" cy="4262848"/>
           </a:xfrm>
           <a:prstGeom prst="rect">
             <a:avLst/>
@@ -4512,10 +4496,10 @@
       </p:pic>
       <p:pic>
         <p:nvPicPr>
-          <p:cNvPr id="9" name="그림 8">
-            <a:extLst>
-              <a:ext uri="{FF2B5EF4-FFF2-40B4-BE49-F238E27FC236}">
-                <a16:creationId xmlns:a16="http://schemas.microsoft.com/office/drawing/2014/main" id="{FEB33E17-6D61-43AE-8182-C020A4236A68}"/>
+          <p:cNvPr id="11" name="그림 10">
+            <a:extLst>
+              <a:ext uri="{FF2B5EF4-FFF2-40B4-BE49-F238E27FC236}">
+                <a16:creationId xmlns:a16="http://schemas.microsoft.com/office/drawing/2014/main" id="{D4D563F1-D039-46B5-8C06-BE1F2D7DC9D2}"/>
               </a:ext>
             </a:extLst>
           </p:cNvPr>
@@ -4526,13 +4510,13 @@
         </p:nvPicPr>
         <p:blipFill rotWithShape="1">
           <a:blip r:embed="rId3"/>
-          <a:srcRect t="10413" b="2920"/>
+          <a:srcRect t="21617" b="6154"/>
           <a:stretch/>
         </p:blipFill>
         <p:spPr>
           <a:xfrm>
-            <a:off x="7398283" y="2605644"/>
-            <a:ext cx="4793716" cy="4252355"/>
+            <a:off x="5053287" y="425586"/>
+            <a:ext cx="6021699" cy="2169565"/>
           </a:xfrm>
           <a:prstGeom prst="rect">
             <a:avLst/>
@@ -4541,10 +4525,10 @@
       </p:pic>
       <p:pic>
         <p:nvPicPr>
-          <p:cNvPr id="11" name="그림 10">
-            <a:extLst>
-              <a:ext uri="{FF2B5EF4-FFF2-40B4-BE49-F238E27FC236}">
-                <a16:creationId xmlns:a16="http://schemas.microsoft.com/office/drawing/2014/main" id="{562894F4-32EC-4217-9734-A95035F37FF9}"/>
+          <p:cNvPr id="6" name="그림 5">
+            <a:extLst>
+              <a:ext uri="{FF2B5EF4-FFF2-40B4-BE49-F238E27FC236}">
+                <a16:creationId xmlns:a16="http://schemas.microsoft.com/office/drawing/2014/main" id="{FB33430D-54BD-4784-AACA-809723B46D6C}"/>
               </a:ext>
             </a:extLst>
           </p:cNvPr>
@@ -4555,13 +4539,13 @@
         </p:nvPicPr>
         <p:blipFill rotWithShape="1">
           <a:blip r:embed="rId4"/>
-          <a:srcRect t="21164" b="6154"/>
+          <a:srcRect t="14081" b="4102"/>
           <a:stretch/>
         </p:blipFill>
         <p:spPr>
           <a:xfrm>
-            <a:off x="5035870" y="466564"/>
-            <a:ext cx="6021699" cy="2139080"/>
+            <a:off x="0" y="2700848"/>
+            <a:ext cx="7440550" cy="3495300"/>
           </a:xfrm>
           <a:prstGeom prst="rect">
             <a:avLst/>
@@ -4571,7 +4555,7 @@
     </p:spTree>
     <p:extLst>
       <p:ext uri="{BB962C8B-B14F-4D97-AF65-F5344CB8AC3E}">
-        <p14:creationId xmlns:p14="http://schemas.microsoft.com/office/powerpoint/2010/main" val="843727429"/>
+        <p14:creationId xmlns:p14="http://schemas.microsoft.com/office/powerpoint/2010/main" val="4249442953"/>
       </p:ext>
     </p:extLst>
   </p:cSld>
@@ -4647,7 +4631,7 @@
             </a:r>
             <a:r>
               <a:rPr lang="en-US" altLang="ko-KR" dirty="0"/>
-              <a:t>0.4 </a:t>
+              <a:t>0.2 </a:t>
             </a:r>
             <a:r>
               <a:rPr lang="ko-KR" altLang="en-US" dirty="0"/>
@@ -4666,10 +4650,10 @@
       </p:sp>
       <p:pic>
         <p:nvPicPr>
-          <p:cNvPr id="7" name="그림 6">
-            <a:extLst>
-              <a:ext uri="{FF2B5EF4-FFF2-40B4-BE49-F238E27FC236}">
-                <a16:creationId xmlns:a16="http://schemas.microsoft.com/office/drawing/2014/main" id="{36673E3E-47FE-452C-9424-AD4EECA40632}"/>
+          <p:cNvPr id="9" name="그림 8">
+            <a:extLst>
+              <a:ext uri="{FF2B5EF4-FFF2-40B4-BE49-F238E27FC236}">
+                <a16:creationId xmlns:a16="http://schemas.microsoft.com/office/drawing/2014/main" id="{FEB33E17-6D61-43AE-8182-C020A4236A68}"/>
               </a:ext>
             </a:extLst>
           </p:cNvPr>
@@ -4680,13 +4664,13 @@
         </p:nvPicPr>
         <p:blipFill rotWithShape="1">
           <a:blip r:embed="rId2"/>
-          <a:srcRect t="14386" b="4559"/>
+          <a:srcRect t="10413" b="2920"/>
           <a:stretch/>
         </p:blipFill>
         <p:spPr>
           <a:xfrm>
-            <a:off x="0" y="2786742"/>
-            <a:ext cx="7400940" cy="3409405"/>
+            <a:off x="7398283" y="2605644"/>
+            <a:ext cx="4793716" cy="4252355"/>
           </a:xfrm>
           <a:prstGeom prst="rect">
             <a:avLst/>
@@ -4695,10 +4679,10 @@
       </p:pic>
       <p:pic>
         <p:nvPicPr>
-          <p:cNvPr id="9" name="그림 8">
-            <a:extLst>
-              <a:ext uri="{FF2B5EF4-FFF2-40B4-BE49-F238E27FC236}">
-                <a16:creationId xmlns:a16="http://schemas.microsoft.com/office/drawing/2014/main" id="{4061A69F-1617-4D23-8633-92BDE95E3239}"/>
+          <p:cNvPr id="11" name="그림 10">
+            <a:extLst>
+              <a:ext uri="{FF2B5EF4-FFF2-40B4-BE49-F238E27FC236}">
+                <a16:creationId xmlns:a16="http://schemas.microsoft.com/office/drawing/2014/main" id="{562894F4-32EC-4217-9734-A95035F37FF9}"/>
               </a:ext>
             </a:extLst>
           </p:cNvPr>
@@ -4709,13 +4693,13 @@
         </p:nvPicPr>
         <p:blipFill rotWithShape="1">
           <a:blip r:embed="rId3"/>
-          <a:srcRect t="10286" b="3636"/>
+          <a:srcRect t="21164" b="6154"/>
           <a:stretch/>
         </p:blipFill>
         <p:spPr>
           <a:xfrm>
-            <a:off x="7400940" y="2587053"/>
-            <a:ext cx="4791060" cy="4270948"/>
+            <a:off x="5035870" y="466564"/>
+            <a:ext cx="6021699" cy="2139080"/>
           </a:xfrm>
           <a:prstGeom prst="rect">
             <a:avLst/>
@@ -4724,10 +4708,10 @@
       </p:pic>
       <p:pic>
         <p:nvPicPr>
-          <p:cNvPr id="11" name="그림 10">
-            <a:extLst>
-              <a:ext uri="{FF2B5EF4-FFF2-40B4-BE49-F238E27FC236}">
-                <a16:creationId xmlns:a16="http://schemas.microsoft.com/office/drawing/2014/main" id="{22FDE2EF-926C-4888-A712-228DF8858909}"/>
+          <p:cNvPr id="6" name="그림 5">
+            <a:extLst>
+              <a:ext uri="{FF2B5EF4-FFF2-40B4-BE49-F238E27FC236}">
+                <a16:creationId xmlns:a16="http://schemas.microsoft.com/office/drawing/2014/main" id="{85334642-7461-4B64-86E0-339176D2E115}"/>
               </a:ext>
             </a:extLst>
           </p:cNvPr>
@@ -4738,6 +4722,160 @@
         </p:nvPicPr>
         <p:blipFill rotWithShape="1">
           <a:blip r:embed="rId4"/>
+          <a:srcRect t="14081" b="4102"/>
+          <a:stretch/>
+        </p:blipFill>
+        <p:spPr>
+          <a:xfrm>
+            <a:off x="0" y="2700848"/>
+            <a:ext cx="7440550" cy="3495300"/>
+          </a:xfrm>
+          <a:prstGeom prst="rect">
+            <a:avLst/>
+          </a:prstGeom>
+        </p:spPr>
+      </p:pic>
+    </p:spTree>
+    <p:extLst>
+      <p:ext uri="{BB962C8B-B14F-4D97-AF65-F5344CB8AC3E}">
+        <p14:creationId xmlns:p14="http://schemas.microsoft.com/office/powerpoint/2010/main" val="843727429"/>
+      </p:ext>
+    </p:extLst>
+  </p:cSld>
+  <p:clrMapOvr>
+    <a:masterClrMapping/>
+  </p:clrMapOvr>
+</p:sld>
+</file>
+
+<file path=ppt/slides/slide9.xml><?xml version="1.0" encoding="utf-8"?>
+<p:sld xmlns:a="http://schemas.openxmlformats.org/drawingml/2006/main" xmlns:r="http://schemas.openxmlformats.org/officeDocument/2006/relationships" xmlns:p="http://schemas.openxmlformats.org/presentationml/2006/main">
+  <p:cSld>
+    <p:spTree>
+      <p:nvGrpSpPr>
+        <p:cNvPr id="1" name=""/>
+        <p:cNvGrpSpPr/>
+        <p:nvPr/>
+      </p:nvGrpSpPr>
+      <p:grpSpPr>
+        <a:xfrm>
+          <a:off x="0" y="0"/>
+          <a:ext cx="0" cy="0"/>
+          <a:chOff x="0" y="0"/>
+          <a:chExt cx="0" cy="0"/>
+        </a:xfrm>
+      </p:grpSpPr>
+      <p:sp>
+        <p:nvSpPr>
+          <p:cNvPr id="4" name="TextBox 3">
+            <a:extLst>
+              <a:ext uri="{FF2B5EF4-FFF2-40B4-BE49-F238E27FC236}">
+                <a16:creationId xmlns:a16="http://schemas.microsoft.com/office/drawing/2014/main" id="{22AA610E-A1D3-46DC-9A69-163D973AB857}"/>
+              </a:ext>
+            </a:extLst>
+          </p:cNvPr>
+          <p:cNvSpPr txBox="1"/>
+          <p:nvPr/>
+        </p:nvSpPr>
+        <p:spPr>
+          <a:xfrm>
+            <a:off x="722812" y="200298"/>
+            <a:ext cx="3124573" cy="646331"/>
+          </a:xfrm>
+          <a:prstGeom prst="rect">
+            <a:avLst/>
+          </a:prstGeom>
+          <a:noFill/>
+        </p:spPr>
+        <p:txBody>
+          <a:bodyPr wrap="none" rtlCol="0">
+            <a:spAutoFit/>
+          </a:bodyPr>
+          <a:lstStyle/>
+          <a:p>
+            <a:r>
+              <a:rPr lang="en-US" altLang="ko-KR" dirty="0"/>
+              <a:t>5m/s</a:t>
+            </a:r>
+            <a:r>
+              <a:rPr lang="ko-KR" altLang="en-US" dirty="0"/>
+              <a:t> 바람</a:t>
+            </a:r>
+            <a:endParaRPr lang="en-US" altLang="ko-KR" dirty="0"/>
+          </a:p>
+          <a:p>
+            <a:r>
+              <a:rPr lang="en-US" altLang="ko-KR" dirty="0"/>
+              <a:t>5</a:t>
+            </a:r>
+            <a:r>
+              <a:rPr lang="ko-KR" altLang="en-US" dirty="0"/>
+              <a:t>번 모터 </a:t>
+            </a:r>
+            <a:r>
+              <a:rPr lang="en-US" altLang="ko-KR" dirty="0"/>
+              <a:t>0.4 </a:t>
+            </a:r>
+            <a:r>
+              <a:rPr lang="ko-KR" altLang="en-US" dirty="0"/>
+              <a:t>고장 </a:t>
+            </a:r>
+            <a:r>
+              <a:rPr lang="en-US" altLang="ko-KR" dirty="0"/>
+              <a:t>85</a:t>
+            </a:r>
+            <a:r>
+              <a:rPr lang="ko-KR" altLang="en-US" dirty="0"/>
+              <a:t>초 인가</a:t>
+            </a:r>
+          </a:p>
+        </p:txBody>
+      </p:sp>
+      <p:pic>
+        <p:nvPicPr>
+          <p:cNvPr id="9" name="그림 8">
+            <a:extLst>
+              <a:ext uri="{FF2B5EF4-FFF2-40B4-BE49-F238E27FC236}">
+                <a16:creationId xmlns:a16="http://schemas.microsoft.com/office/drawing/2014/main" id="{4061A69F-1617-4D23-8633-92BDE95E3239}"/>
+              </a:ext>
+            </a:extLst>
+          </p:cNvPr>
+          <p:cNvPicPr>
+            <a:picLocks noChangeAspect="1"/>
+          </p:cNvPicPr>
+          <p:nvPr/>
+        </p:nvPicPr>
+        <p:blipFill rotWithShape="1">
+          <a:blip r:embed="rId2"/>
+          <a:srcRect t="10286" b="3636"/>
+          <a:stretch/>
+        </p:blipFill>
+        <p:spPr>
+          <a:xfrm>
+            <a:off x="7400940" y="2587053"/>
+            <a:ext cx="4791060" cy="4270948"/>
+          </a:xfrm>
+          <a:prstGeom prst="rect">
+            <a:avLst/>
+          </a:prstGeom>
+        </p:spPr>
+      </p:pic>
+      <p:pic>
+        <p:nvPicPr>
+          <p:cNvPr id="11" name="그림 10">
+            <a:extLst>
+              <a:ext uri="{FF2B5EF4-FFF2-40B4-BE49-F238E27FC236}">
+                <a16:creationId xmlns:a16="http://schemas.microsoft.com/office/drawing/2014/main" id="{22FDE2EF-926C-4888-A712-228DF8858909}"/>
+              </a:ext>
+            </a:extLst>
+          </p:cNvPr>
+          <p:cNvPicPr>
+            <a:picLocks noChangeAspect="1"/>
+          </p:cNvPicPr>
+          <p:nvPr/>
+        </p:nvPicPr>
+        <p:blipFill rotWithShape="1">
+          <a:blip r:embed="rId3"/>
           <a:srcRect t="21390" b="6380"/>
           <a:stretch/>
         </p:blipFill>
@@ -4745,6 +4883,35 @@
           <a:xfrm>
             <a:off x="5053287" y="449654"/>
             <a:ext cx="6021699" cy="2137400"/>
+          </a:xfrm>
+          <a:prstGeom prst="rect">
+            <a:avLst/>
+          </a:prstGeom>
+        </p:spPr>
+      </p:pic>
+      <p:pic>
+        <p:nvPicPr>
+          <p:cNvPr id="6" name="그림 5">
+            <a:extLst>
+              <a:ext uri="{FF2B5EF4-FFF2-40B4-BE49-F238E27FC236}">
+                <a16:creationId xmlns:a16="http://schemas.microsoft.com/office/drawing/2014/main" id="{C3C191CB-FEAB-4CAF-BB24-41BBB51BD9FA}"/>
+              </a:ext>
+            </a:extLst>
+          </p:cNvPr>
+          <p:cNvPicPr>
+            <a:picLocks noChangeAspect="1"/>
+          </p:cNvPicPr>
+          <p:nvPr/>
+        </p:nvPicPr>
+        <p:blipFill rotWithShape="1">
+          <a:blip r:embed="rId4"/>
+          <a:srcRect t="14081" b="4102"/>
+          <a:stretch/>
+        </p:blipFill>
+        <p:spPr>
+          <a:xfrm>
+            <a:off x="0" y="2700848"/>
+            <a:ext cx="7440550" cy="3495300"/>
           </a:xfrm>
           <a:prstGeom prst="rect">
             <a:avLst/>
